--- a/thesis/ukapp2/wqu_isc/puremaths/ISC_PureMaths0202.pptx
+++ b/thesis/ukapp2/wqu_isc/puremaths/ISC_PureMaths0202.pptx
@@ -9714,8 +9714,8 @@
         </p:blipFill>
         <p:spPr>
           <a:xfrm>
-            <a:off x="2732690" y="1017725"/>
-            <a:ext cx="6126635" cy="2808041"/>
+            <a:off x="2732690" y="1145628"/>
+            <a:ext cx="6126635" cy="2680138"/>
           </a:xfrm>
           <a:prstGeom prst="rect">
             <a:avLst/>
@@ -10181,8 +10181,8 @@
           </a:p>
         </p:txBody>
       </p:sp>
-      <mc:AlternateContent xmlns:mc="http://schemas.openxmlformats.org/markup-compatibility/2006">
-        <mc:Choice xmlns:a14="http://schemas.microsoft.com/office/drawing/2010/main" Requires="a14">
+      <mc:AlternateContent xmlns:mc="http://schemas.openxmlformats.org/markup-compatibility/2006" xmlns:a14="http://schemas.microsoft.com/office/drawing/2010/main">
+        <mc:Choice Requires="a14">
           <p:sp>
             <p:nvSpPr>
               <p:cNvPr id="2" name="TextBox 1">
@@ -10211,6 +10211,7 @@
               </a:bodyPr>
               <a:lstStyle/>
               <a:p>
+                <a:pPr/>
                 <a14:m>
                   <m:oMathPara xmlns:m="http://schemas.openxmlformats.org/officeDocument/2006/math">
                     <m:oMathParaPr>
@@ -10249,7 +10250,7 @@
             </p:txBody>
           </p:sp>
         </mc:Choice>
-        <mc:Fallback>
+        <mc:Fallback xmlns="">
           <p:sp>
             <p:nvSpPr>
               <p:cNvPr id="2" name="TextBox 1">
